--- a/groups/07-logStore/Presentations/Zwischenstand07.05.2020.pptx
+++ b/groups/07-logStore/Presentations/Zwischenstand07.05.2020.pptx
@@ -105,6 +105,11 @@
       </a:defRPr>
     </a:lvl9pPr>
   </p:defaultTextStyle>
+  <p:extLst>
+    <p:ext uri="{EFAFB233-063F-42B5-8137-9DF3F51BA10A}">
+      <p15:sldGuideLst xmlns:p15="http://schemas.microsoft.com/office/powerpoint/2012/main"/>
+    </p:ext>
+  </p:extLst>
 </p:presentation>
 </file>
 
@@ -257,7 +262,7 @@
           <a:p>
             <a:fld id="{676239BD-42D8-4D13-B690-CDF6BF7C9336}" type="datetimeFigureOut">
               <a:rPr lang="en-US" smtClean="0"/>
-              <a:t>5/7/2020</a:t>
+              <a:t>5/7/20</a:t>
             </a:fld>
             <a:endParaRPr lang="en-US"/>
           </a:p>
@@ -311,7 +316,7 @@
           <a:p>
             <a:fld id="{A764F174-085A-4E03-98AE-18F6001D7A16}" type="slidenum">
               <a:rPr lang="en-US" smtClean="0"/>
-              <a:t>‹Nr.›</a:t>
+              <a:t>‹#›</a:t>
             </a:fld>
             <a:endParaRPr lang="en-US"/>
           </a:p>
@@ -457,7 +462,7 @@
           <a:p>
             <a:fld id="{676239BD-42D8-4D13-B690-CDF6BF7C9336}" type="datetimeFigureOut">
               <a:rPr lang="en-US" smtClean="0"/>
-              <a:t>5/7/2020</a:t>
+              <a:t>5/7/20</a:t>
             </a:fld>
             <a:endParaRPr lang="en-US"/>
           </a:p>
@@ -511,7 +516,7 @@
           <a:p>
             <a:fld id="{A764F174-085A-4E03-98AE-18F6001D7A16}" type="slidenum">
               <a:rPr lang="en-US" smtClean="0"/>
-              <a:t>‹Nr.›</a:t>
+              <a:t>‹#›</a:t>
             </a:fld>
             <a:endParaRPr lang="en-US"/>
           </a:p>
@@ -667,7 +672,7 @@
           <a:p>
             <a:fld id="{676239BD-42D8-4D13-B690-CDF6BF7C9336}" type="datetimeFigureOut">
               <a:rPr lang="en-US" smtClean="0"/>
-              <a:t>5/7/2020</a:t>
+              <a:t>5/7/20</a:t>
             </a:fld>
             <a:endParaRPr lang="en-US"/>
           </a:p>
@@ -721,7 +726,7 @@
           <a:p>
             <a:fld id="{A764F174-085A-4E03-98AE-18F6001D7A16}" type="slidenum">
               <a:rPr lang="en-US" smtClean="0"/>
-              <a:t>‹Nr.›</a:t>
+              <a:t>‹#›</a:t>
             </a:fld>
             <a:endParaRPr lang="en-US"/>
           </a:p>
@@ -867,7 +872,7 @@
           <a:p>
             <a:fld id="{676239BD-42D8-4D13-B690-CDF6BF7C9336}" type="datetimeFigureOut">
               <a:rPr lang="en-US" smtClean="0"/>
-              <a:t>5/7/2020</a:t>
+              <a:t>5/7/20</a:t>
             </a:fld>
             <a:endParaRPr lang="en-US"/>
           </a:p>
@@ -921,7 +926,7 @@
           <a:p>
             <a:fld id="{A764F174-085A-4E03-98AE-18F6001D7A16}" type="slidenum">
               <a:rPr lang="en-US" smtClean="0"/>
-              <a:t>‹Nr.›</a:t>
+              <a:t>‹#›</a:t>
             </a:fld>
             <a:endParaRPr lang="en-US"/>
           </a:p>
@@ -1143,7 +1148,7 @@
           <a:p>
             <a:fld id="{676239BD-42D8-4D13-B690-CDF6BF7C9336}" type="datetimeFigureOut">
               <a:rPr lang="en-US" smtClean="0"/>
-              <a:t>5/7/2020</a:t>
+              <a:t>5/7/20</a:t>
             </a:fld>
             <a:endParaRPr lang="en-US"/>
           </a:p>
@@ -1197,7 +1202,7 @@
           <a:p>
             <a:fld id="{A764F174-085A-4E03-98AE-18F6001D7A16}" type="slidenum">
               <a:rPr lang="en-US" smtClean="0"/>
-              <a:t>‹Nr.›</a:t>
+              <a:t>‹#›</a:t>
             </a:fld>
             <a:endParaRPr lang="en-US"/>
           </a:p>
@@ -1411,7 +1416,7 @@
           <a:p>
             <a:fld id="{676239BD-42D8-4D13-B690-CDF6BF7C9336}" type="datetimeFigureOut">
               <a:rPr lang="en-US" smtClean="0"/>
-              <a:t>5/7/2020</a:t>
+              <a:t>5/7/20</a:t>
             </a:fld>
             <a:endParaRPr lang="en-US"/>
           </a:p>
@@ -1465,7 +1470,7 @@
           <a:p>
             <a:fld id="{A764F174-085A-4E03-98AE-18F6001D7A16}" type="slidenum">
               <a:rPr lang="en-US" smtClean="0"/>
-              <a:t>‹Nr.›</a:t>
+              <a:t>‹#›</a:t>
             </a:fld>
             <a:endParaRPr lang="en-US"/>
           </a:p>
@@ -1826,7 +1831,7 @@
           <a:p>
             <a:fld id="{676239BD-42D8-4D13-B690-CDF6BF7C9336}" type="datetimeFigureOut">
               <a:rPr lang="en-US" smtClean="0"/>
-              <a:t>5/7/2020</a:t>
+              <a:t>5/7/20</a:t>
             </a:fld>
             <a:endParaRPr lang="en-US"/>
           </a:p>
@@ -1880,7 +1885,7 @@
           <a:p>
             <a:fld id="{A764F174-085A-4E03-98AE-18F6001D7A16}" type="slidenum">
               <a:rPr lang="en-US" smtClean="0"/>
-              <a:t>‹Nr.›</a:t>
+              <a:t>‹#›</a:t>
             </a:fld>
             <a:endParaRPr lang="en-US"/>
           </a:p>
@@ -1968,7 +1973,7 @@
           <a:p>
             <a:fld id="{676239BD-42D8-4D13-B690-CDF6BF7C9336}" type="datetimeFigureOut">
               <a:rPr lang="en-US" smtClean="0"/>
-              <a:t>5/7/2020</a:t>
+              <a:t>5/7/20</a:t>
             </a:fld>
             <a:endParaRPr lang="en-US"/>
           </a:p>
@@ -2022,7 +2027,7 @@
           <a:p>
             <a:fld id="{A764F174-085A-4E03-98AE-18F6001D7A16}" type="slidenum">
               <a:rPr lang="en-US" smtClean="0"/>
-              <a:t>‹Nr.›</a:t>
+              <a:t>‹#›</a:t>
             </a:fld>
             <a:endParaRPr lang="en-US"/>
           </a:p>
@@ -2081,7 +2086,7 @@
           <a:p>
             <a:fld id="{676239BD-42D8-4D13-B690-CDF6BF7C9336}" type="datetimeFigureOut">
               <a:rPr lang="en-US" smtClean="0"/>
-              <a:t>5/7/2020</a:t>
+              <a:t>5/7/20</a:t>
             </a:fld>
             <a:endParaRPr lang="en-US"/>
           </a:p>
@@ -2135,7 +2140,7 @@
           <a:p>
             <a:fld id="{A764F174-085A-4E03-98AE-18F6001D7A16}" type="slidenum">
               <a:rPr lang="en-US" smtClean="0"/>
-              <a:t>‹Nr.›</a:t>
+              <a:t>‹#›</a:t>
             </a:fld>
             <a:endParaRPr lang="en-US"/>
           </a:p>
@@ -2394,7 +2399,7 @@
           <a:p>
             <a:fld id="{676239BD-42D8-4D13-B690-CDF6BF7C9336}" type="datetimeFigureOut">
               <a:rPr lang="en-US" smtClean="0"/>
-              <a:t>5/7/2020</a:t>
+              <a:t>5/7/20</a:t>
             </a:fld>
             <a:endParaRPr lang="en-US"/>
           </a:p>
@@ -2448,7 +2453,7 @@
           <a:p>
             <a:fld id="{A764F174-085A-4E03-98AE-18F6001D7A16}" type="slidenum">
               <a:rPr lang="en-US" smtClean="0"/>
-              <a:t>‹Nr.›</a:t>
+              <a:t>‹#›</a:t>
             </a:fld>
             <a:endParaRPr lang="en-US"/>
           </a:p>
@@ -2683,7 +2688,7 @@
           <a:p>
             <a:fld id="{676239BD-42D8-4D13-B690-CDF6BF7C9336}" type="datetimeFigureOut">
               <a:rPr lang="en-US" smtClean="0"/>
-              <a:t>5/7/2020</a:t>
+              <a:t>5/7/20</a:t>
             </a:fld>
             <a:endParaRPr lang="en-US"/>
           </a:p>
@@ -2737,7 +2742,7 @@
           <a:p>
             <a:fld id="{A764F174-085A-4E03-98AE-18F6001D7A16}" type="slidenum">
               <a:rPr lang="en-US" smtClean="0"/>
-              <a:t>‹Nr.›</a:t>
+              <a:t>‹#›</a:t>
             </a:fld>
             <a:endParaRPr lang="en-US"/>
           </a:p>
@@ -2926,7 +2931,7 @@
           <a:p>
             <a:fld id="{676239BD-42D8-4D13-B690-CDF6BF7C9336}" type="datetimeFigureOut">
               <a:rPr lang="en-US" smtClean="0"/>
-              <a:t>5/7/2020</a:t>
+              <a:t>5/7/20</a:t>
             </a:fld>
             <a:endParaRPr lang="en-US"/>
           </a:p>
@@ -3016,7 +3021,7 @@
           <a:p>
             <a:fld id="{A764F174-085A-4E03-98AE-18F6001D7A16}" type="slidenum">
               <a:rPr lang="en-US" smtClean="0"/>
-              <a:t>‹Nr.›</a:t>
+              <a:t>‹#›</a:t>
             </a:fld>
             <a:endParaRPr lang="en-US"/>
           </a:p>
@@ -3424,39 +3429,10 @@
             <p:ph type="title"/>
           </p:nvPr>
         </p:nvSpPr>
-        <p:spPr/>
-        <p:txBody>
-          <a:bodyPr/>
-          <a:lstStyle/>
-          <a:p>
-            <a:r>
-              <a:rPr lang="en-US" dirty="0" err="1"/>
-              <a:t>Schwierigkeiten</a:t>
-            </a:r>
-            <a:endParaRPr lang="en-US" dirty="0"/>
-          </a:p>
-        </p:txBody>
-      </p:sp>
-      <p:sp>
-        <p:nvSpPr>
-          <p:cNvPr id="3" name="Inhaltsplatzhalter 2">
-            <a:extLst>
-              <a:ext uri="{FF2B5EF4-FFF2-40B4-BE49-F238E27FC236}">
-                <a16:creationId xmlns:a16="http://schemas.microsoft.com/office/drawing/2014/main" id="{20203E4E-4EDA-45E8-B3B0-11CC17ADE0BA}"/>
-              </a:ext>
-            </a:extLst>
-          </p:cNvPr>
-          <p:cNvSpPr>
-            <a:spLocks noGrp="1"/>
-          </p:cNvSpPr>
-          <p:nvPr>
-            <p:ph idx="1"/>
-          </p:nvPr>
-        </p:nvSpPr>
         <p:spPr>
           <a:xfrm>
-            <a:off x="838200" y="1825625"/>
-            <a:ext cx="10515600" cy="1325563"/>
+            <a:off x="838200" y="365125"/>
+            <a:ext cx="5257800" cy="1325563"/>
           </a:xfrm>
         </p:spPr>
         <p:txBody>
@@ -3465,7 +3441,76 @@
           <a:p>
             <a:r>
               <a:rPr lang="en-US" dirty="0" err="1"/>
-              <a:t>Kommunikation</a:t>
+              <a:t>Stärken</a:t>
+            </a:r>
+            <a:endParaRPr lang="en-US" dirty="0"/>
+          </a:p>
+        </p:txBody>
+      </p:sp>
+      <p:sp>
+        <p:nvSpPr>
+          <p:cNvPr id="3" name="Inhaltsplatzhalter 2">
+            <a:extLst>
+              <a:ext uri="{FF2B5EF4-FFF2-40B4-BE49-F238E27FC236}">
+                <a16:creationId xmlns:a16="http://schemas.microsoft.com/office/drawing/2014/main" id="{20203E4E-4EDA-45E8-B3B0-11CC17ADE0BA}"/>
+              </a:ext>
+            </a:extLst>
+          </p:cNvPr>
+          <p:cNvSpPr>
+            <a:spLocks noGrp="1"/>
+          </p:cNvSpPr>
+          <p:nvPr>
+            <p:ph idx="1"/>
+          </p:nvPr>
+        </p:nvSpPr>
+        <p:spPr>
+          <a:xfrm>
+            <a:off x="838200" y="1710269"/>
+            <a:ext cx="5257800" cy="1325563"/>
+          </a:xfrm>
+        </p:spPr>
+        <p:txBody>
+          <a:bodyPr>
+            <a:normAutofit fontScale="92500" lnSpcReduction="10000"/>
+          </a:bodyPr>
+          <a:lstStyle/>
+          <a:p>
+            <a:r>
+              <a:rPr lang="en-US" dirty="0" err="1"/>
+              <a:t>Anbindung</a:t>
+            </a:r>
+            <a:r>
+              <a:rPr lang="en-US" dirty="0"/>
+              <a:t> Gruppe 4</a:t>
+            </a:r>
+          </a:p>
+          <a:p>
+            <a:r>
+              <a:rPr lang="en-US" dirty="0" err="1"/>
+              <a:t>Einfügen</a:t>
+            </a:r>
+            <a:r>
+              <a:rPr lang="en-US" dirty="0"/>
+              <a:t> und </a:t>
+            </a:r>
+            <a:r>
+              <a:rPr lang="en-US" dirty="0" err="1"/>
+              <a:t>entnehmen</a:t>
+            </a:r>
+            <a:endParaRPr lang="en-US" dirty="0"/>
+          </a:p>
+          <a:p>
+            <a:r>
+              <a:rPr lang="en-US" dirty="0" err="1"/>
+              <a:t>Spezifische</a:t>
+            </a:r>
+            <a:r>
+              <a:rPr lang="en-US" dirty="0"/>
+              <a:t> Queries </a:t>
+            </a:r>
+            <a:r>
+              <a:rPr lang="en-US" dirty="0" err="1"/>
+              <a:t>sind</a:t>
             </a:r>
             <a:r>
               <a:rPr lang="en-US" dirty="0"/>
@@ -3473,25 +3518,7 @@
             </a:r>
             <a:r>
               <a:rPr lang="en-US" dirty="0" err="1"/>
-              <a:t>mit</a:t>
-            </a:r>
-            <a:r>
-              <a:rPr lang="en-US" dirty="0"/>
-              <a:t> Gruppen</a:t>
-            </a:r>
-          </a:p>
-          <a:p>
-            <a:r>
-              <a:rPr lang="en-US" dirty="0" err="1"/>
-              <a:t>Anforderungen</a:t>
-            </a:r>
-            <a:r>
-              <a:rPr lang="en-US" dirty="0"/>
-              <a:t> </a:t>
-            </a:r>
-            <a:r>
-              <a:rPr lang="en-US" dirty="0" err="1"/>
-              <a:t>unklar</a:t>
+              <a:t>möglich</a:t>
             </a:r>
             <a:endParaRPr lang="en-US" dirty="0"/>
           </a:p>
@@ -3514,7 +3541,7 @@
         <p:spPr>
           <a:xfrm>
             <a:off x="838200" y="2766218"/>
-            <a:ext cx="10515600" cy="1325563"/>
+            <a:ext cx="5257800" cy="1325563"/>
           </a:xfrm>
           <a:prstGeom prst="rect">
             <a:avLst/>
@@ -3546,7 +3573,7 @@
           <a:p>
             <a:r>
               <a:rPr lang="en-US" dirty="0" err="1"/>
-              <a:t>Chancen</a:t>
+              <a:t>Schwächen</a:t>
             </a:r>
             <a:endParaRPr lang="en-US" dirty="0"/>
           </a:p>
@@ -3569,7 +3596,7 @@
         <p:spPr>
           <a:xfrm>
             <a:off x="838200" y="4072628"/>
-            <a:ext cx="10515600" cy="1325563"/>
+            <a:ext cx="5257800" cy="1325563"/>
           </a:xfrm>
           <a:prstGeom prst="rect">
             <a:avLst/>
@@ -3577,7 +3604,7 @@
         </p:spPr>
         <p:txBody>
           <a:bodyPr vert="horz" lIns="91440" tIns="45720" rIns="91440" bIns="45720" rtlCol="0">
-            <a:normAutofit fontScale="62500" lnSpcReduction="20000"/>
+            <a:normAutofit/>
           </a:bodyPr>
           <a:lstStyle>
             <a:lvl1pPr marL="228600" indent="-228600" algn="l" defTabSz="914400" rtl="0" eaLnBrk="1" latinLnBrk="0" hangingPunct="1">
@@ -3745,19 +3772,319 @@
           </a:lstStyle>
           <a:p>
             <a:r>
+              <a:rPr lang="en-US" dirty="0"/>
+              <a:t>Dependencies</a:t>
+            </a:r>
+          </a:p>
+          <a:p>
+            <a:r>
+              <a:rPr lang="en-US" dirty="0"/>
+              <a:t>Z.T. grosse Code-Base</a:t>
+            </a:r>
+          </a:p>
+        </p:txBody>
+      </p:sp>
+      <p:sp>
+        <p:nvSpPr>
+          <p:cNvPr id="6" name="Titel 1">
+            <a:extLst>
+              <a:ext uri="{FF2B5EF4-FFF2-40B4-BE49-F238E27FC236}">
+                <a16:creationId xmlns:a16="http://schemas.microsoft.com/office/drawing/2014/main" id="{142AE845-3A28-E543-99C1-124338180A8C}"/>
+              </a:ext>
+            </a:extLst>
+          </p:cNvPr>
+          <p:cNvSpPr txBox="1">
+            <a:spLocks/>
+          </p:cNvSpPr>
+          <p:nvPr/>
+        </p:nvSpPr>
+        <p:spPr>
+          <a:xfrm>
+            <a:off x="6096000" y="365125"/>
+            <a:ext cx="5257800" cy="1325563"/>
+          </a:xfrm>
+          <a:prstGeom prst="rect">
+            <a:avLst/>
+          </a:prstGeom>
+        </p:spPr>
+        <p:txBody>
+          <a:bodyPr vert="horz" lIns="91440" tIns="45720" rIns="91440" bIns="45720" rtlCol="0" anchor="ctr">
+            <a:normAutofit/>
+          </a:bodyPr>
+          <a:lstStyle>
+            <a:lvl1pPr algn="l" defTabSz="914400" rtl="0" eaLnBrk="1" latinLnBrk="0" hangingPunct="1">
+              <a:lnSpc>
+                <a:spcPct val="90000"/>
+              </a:lnSpc>
+              <a:spcBef>
+                <a:spcPct val="0"/>
+              </a:spcBef>
+              <a:buNone/>
+              <a:defRPr sz="4400" kern="1200">
+                <a:solidFill>
+                  <a:schemeClr val="tx1"/>
+                </a:solidFill>
+                <a:latin typeface="+mj-lt"/>
+                <a:ea typeface="+mj-ea"/>
+                <a:cs typeface="+mj-cs"/>
+              </a:defRPr>
+            </a:lvl1pPr>
+          </a:lstStyle>
+          <a:p>
+            <a:r>
               <a:rPr lang="en-US" dirty="0" err="1"/>
-              <a:t>Einfügen</a:t>
-            </a:r>
-            <a:r>
-              <a:rPr lang="en-US" dirty="0"/>
-              <a:t> und </a:t>
-            </a:r>
+              <a:t>Möglichkeiten</a:t>
+            </a:r>
+            <a:endParaRPr lang="en-US" dirty="0"/>
+          </a:p>
+        </p:txBody>
+      </p:sp>
+      <p:sp>
+        <p:nvSpPr>
+          <p:cNvPr id="7" name="Titel 1">
+            <a:extLst>
+              <a:ext uri="{FF2B5EF4-FFF2-40B4-BE49-F238E27FC236}">
+                <a16:creationId xmlns:a16="http://schemas.microsoft.com/office/drawing/2014/main" id="{53ECBC58-4A67-6C45-A3B1-D70E220DF0A5}"/>
+              </a:ext>
+            </a:extLst>
+          </p:cNvPr>
+          <p:cNvSpPr txBox="1">
+            <a:spLocks/>
+          </p:cNvSpPr>
+          <p:nvPr/>
+        </p:nvSpPr>
+        <p:spPr>
+          <a:xfrm>
+            <a:off x="6096000" y="2785799"/>
+            <a:ext cx="5257800" cy="1325563"/>
+          </a:xfrm>
+          <a:prstGeom prst="rect">
+            <a:avLst/>
+          </a:prstGeom>
+        </p:spPr>
+        <p:txBody>
+          <a:bodyPr vert="horz" lIns="91440" tIns="45720" rIns="91440" bIns="45720" rtlCol="0" anchor="ctr">
+            <a:normAutofit/>
+          </a:bodyPr>
+          <a:lstStyle>
+            <a:lvl1pPr algn="l" defTabSz="914400" rtl="0" eaLnBrk="1" latinLnBrk="0" hangingPunct="1">
+              <a:lnSpc>
+                <a:spcPct val="90000"/>
+              </a:lnSpc>
+              <a:spcBef>
+                <a:spcPct val="0"/>
+              </a:spcBef>
+              <a:buNone/>
+              <a:defRPr sz="4400" kern="1200">
+                <a:solidFill>
+                  <a:schemeClr val="tx1"/>
+                </a:solidFill>
+                <a:latin typeface="+mj-lt"/>
+                <a:ea typeface="+mj-ea"/>
+                <a:cs typeface="+mj-cs"/>
+              </a:defRPr>
+            </a:lvl1pPr>
+          </a:lstStyle>
+          <a:p>
             <a:r>
               <a:rPr lang="en-US" dirty="0" err="1"/>
-              <a:t>entnehmen</a:t>
+              <a:t>Gefahren</a:t>
             </a:r>
             <a:endParaRPr lang="en-US" dirty="0"/>
           </a:p>
+        </p:txBody>
+      </p:sp>
+      <p:sp>
+        <p:nvSpPr>
+          <p:cNvPr id="8" name="Inhaltsplatzhalter 2">
+            <a:extLst>
+              <a:ext uri="{FF2B5EF4-FFF2-40B4-BE49-F238E27FC236}">
+                <a16:creationId xmlns:a16="http://schemas.microsoft.com/office/drawing/2014/main" id="{66961B2F-9147-274D-9DBE-B72B7E8AAF4D}"/>
+              </a:ext>
+            </a:extLst>
+          </p:cNvPr>
+          <p:cNvSpPr txBox="1">
+            <a:spLocks/>
+          </p:cNvSpPr>
+          <p:nvPr/>
+        </p:nvSpPr>
+        <p:spPr>
+          <a:xfrm>
+            <a:off x="6096000" y="1690688"/>
+            <a:ext cx="5257800" cy="1325563"/>
+          </a:xfrm>
+          <a:prstGeom prst="rect">
+            <a:avLst/>
+          </a:prstGeom>
+        </p:spPr>
+        <p:txBody>
+          <a:bodyPr vert="horz" lIns="91440" tIns="45720" rIns="91440" bIns="45720" rtlCol="0">
+            <a:normAutofit fontScale="77500" lnSpcReduction="20000"/>
+          </a:bodyPr>
+          <a:lstStyle>
+            <a:lvl1pPr marL="228600" indent="-228600" algn="l" defTabSz="914400" rtl="0" eaLnBrk="1" latinLnBrk="0" hangingPunct="1">
+              <a:lnSpc>
+                <a:spcPct val="90000"/>
+              </a:lnSpc>
+              <a:spcBef>
+                <a:spcPts val="1000"/>
+              </a:spcBef>
+              <a:buFont typeface="Arial" panose="020B0604020202020204" pitchFamily="34" charset="0"/>
+              <a:buChar char="•"/>
+              <a:defRPr sz="2800" kern="1200">
+                <a:solidFill>
+                  <a:schemeClr val="tx1"/>
+                </a:solidFill>
+                <a:latin typeface="+mn-lt"/>
+                <a:ea typeface="+mn-ea"/>
+                <a:cs typeface="+mn-cs"/>
+              </a:defRPr>
+            </a:lvl1pPr>
+            <a:lvl2pPr marL="685800" indent="-228600" algn="l" defTabSz="914400" rtl="0" eaLnBrk="1" latinLnBrk="0" hangingPunct="1">
+              <a:lnSpc>
+                <a:spcPct val="90000"/>
+              </a:lnSpc>
+              <a:spcBef>
+                <a:spcPts val="500"/>
+              </a:spcBef>
+              <a:buFont typeface="Arial" panose="020B0604020202020204" pitchFamily="34" charset="0"/>
+              <a:buChar char="•"/>
+              <a:defRPr sz="2400" kern="1200">
+                <a:solidFill>
+                  <a:schemeClr val="tx1"/>
+                </a:solidFill>
+                <a:latin typeface="+mn-lt"/>
+                <a:ea typeface="+mn-ea"/>
+                <a:cs typeface="+mn-cs"/>
+              </a:defRPr>
+            </a:lvl2pPr>
+            <a:lvl3pPr marL="1143000" indent="-228600" algn="l" defTabSz="914400" rtl="0" eaLnBrk="1" latinLnBrk="0" hangingPunct="1">
+              <a:lnSpc>
+                <a:spcPct val="90000"/>
+              </a:lnSpc>
+              <a:spcBef>
+                <a:spcPts val="500"/>
+              </a:spcBef>
+              <a:buFont typeface="Arial" panose="020B0604020202020204" pitchFamily="34" charset="0"/>
+              <a:buChar char="•"/>
+              <a:defRPr sz="2000" kern="1200">
+                <a:solidFill>
+                  <a:schemeClr val="tx1"/>
+                </a:solidFill>
+                <a:latin typeface="+mn-lt"/>
+                <a:ea typeface="+mn-ea"/>
+                <a:cs typeface="+mn-cs"/>
+              </a:defRPr>
+            </a:lvl3pPr>
+            <a:lvl4pPr marL="1600200" indent="-228600" algn="l" defTabSz="914400" rtl="0" eaLnBrk="1" latinLnBrk="0" hangingPunct="1">
+              <a:lnSpc>
+                <a:spcPct val="90000"/>
+              </a:lnSpc>
+              <a:spcBef>
+                <a:spcPts val="500"/>
+              </a:spcBef>
+              <a:buFont typeface="Arial" panose="020B0604020202020204" pitchFamily="34" charset="0"/>
+              <a:buChar char="•"/>
+              <a:defRPr sz="1800" kern="1200">
+                <a:solidFill>
+                  <a:schemeClr val="tx1"/>
+                </a:solidFill>
+                <a:latin typeface="+mn-lt"/>
+                <a:ea typeface="+mn-ea"/>
+                <a:cs typeface="+mn-cs"/>
+              </a:defRPr>
+            </a:lvl4pPr>
+            <a:lvl5pPr marL="2057400" indent="-228600" algn="l" defTabSz="914400" rtl="0" eaLnBrk="1" latinLnBrk="0" hangingPunct="1">
+              <a:lnSpc>
+                <a:spcPct val="90000"/>
+              </a:lnSpc>
+              <a:spcBef>
+                <a:spcPts val="500"/>
+              </a:spcBef>
+              <a:buFont typeface="Arial" panose="020B0604020202020204" pitchFamily="34" charset="0"/>
+              <a:buChar char="•"/>
+              <a:defRPr sz="1800" kern="1200">
+                <a:solidFill>
+                  <a:schemeClr val="tx1"/>
+                </a:solidFill>
+                <a:latin typeface="+mn-lt"/>
+                <a:ea typeface="+mn-ea"/>
+                <a:cs typeface="+mn-cs"/>
+              </a:defRPr>
+            </a:lvl5pPr>
+            <a:lvl6pPr marL="2514600" indent="-228600" algn="l" defTabSz="914400" rtl="0" eaLnBrk="1" latinLnBrk="0" hangingPunct="1">
+              <a:lnSpc>
+                <a:spcPct val="90000"/>
+              </a:lnSpc>
+              <a:spcBef>
+                <a:spcPts val="500"/>
+              </a:spcBef>
+              <a:buFont typeface="Arial" panose="020B0604020202020204" pitchFamily="34" charset="0"/>
+              <a:buChar char="•"/>
+              <a:defRPr sz="1800" kern="1200">
+                <a:solidFill>
+                  <a:schemeClr val="tx1"/>
+                </a:solidFill>
+                <a:latin typeface="+mn-lt"/>
+                <a:ea typeface="+mn-ea"/>
+                <a:cs typeface="+mn-cs"/>
+              </a:defRPr>
+            </a:lvl6pPr>
+            <a:lvl7pPr marL="2971800" indent="-228600" algn="l" defTabSz="914400" rtl="0" eaLnBrk="1" latinLnBrk="0" hangingPunct="1">
+              <a:lnSpc>
+                <a:spcPct val="90000"/>
+              </a:lnSpc>
+              <a:spcBef>
+                <a:spcPts val="500"/>
+              </a:spcBef>
+              <a:buFont typeface="Arial" panose="020B0604020202020204" pitchFamily="34" charset="0"/>
+              <a:buChar char="•"/>
+              <a:defRPr sz="1800" kern="1200">
+                <a:solidFill>
+                  <a:schemeClr val="tx1"/>
+                </a:solidFill>
+                <a:latin typeface="+mn-lt"/>
+                <a:ea typeface="+mn-ea"/>
+                <a:cs typeface="+mn-cs"/>
+              </a:defRPr>
+            </a:lvl7pPr>
+            <a:lvl8pPr marL="3429000" indent="-228600" algn="l" defTabSz="914400" rtl="0" eaLnBrk="1" latinLnBrk="0" hangingPunct="1">
+              <a:lnSpc>
+                <a:spcPct val="90000"/>
+              </a:lnSpc>
+              <a:spcBef>
+                <a:spcPts val="500"/>
+              </a:spcBef>
+              <a:buFont typeface="Arial" panose="020B0604020202020204" pitchFamily="34" charset="0"/>
+              <a:buChar char="•"/>
+              <a:defRPr sz="1800" kern="1200">
+                <a:solidFill>
+                  <a:schemeClr val="tx1"/>
+                </a:solidFill>
+                <a:latin typeface="+mn-lt"/>
+                <a:ea typeface="+mn-ea"/>
+                <a:cs typeface="+mn-cs"/>
+              </a:defRPr>
+            </a:lvl8pPr>
+            <a:lvl9pPr marL="3886200" indent="-228600" algn="l" defTabSz="914400" rtl="0" eaLnBrk="1" latinLnBrk="0" hangingPunct="1">
+              <a:lnSpc>
+                <a:spcPct val="90000"/>
+              </a:lnSpc>
+              <a:spcBef>
+                <a:spcPts val="500"/>
+              </a:spcBef>
+              <a:buFont typeface="Arial" panose="020B0604020202020204" pitchFamily="34" charset="0"/>
+              <a:buChar char="•"/>
+              <a:defRPr sz="1800" kern="1200">
+                <a:solidFill>
+                  <a:schemeClr val="tx1"/>
+                </a:solidFill>
+                <a:latin typeface="+mn-lt"/>
+                <a:ea typeface="+mn-ea"/>
+                <a:cs typeface="+mn-cs"/>
+              </a:defRPr>
+            </a:lvl9pPr>
+          </a:lstStyle>
           <a:p>
             <a:r>
               <a:rPr lang="en-US" dirty="0" err="1"/>
@@ -3765,21 +4092,11 @@
             </a:r>
             <a:r>
               <a:rPr lang="en-US" dirty="0"/>
-              <a:t> an Gruppe 4</a:t>
-            </a:r>
-          </a:p>
-          <a:p>
+              <a:t> an </a:t>
+            </a:r>
             <a:r>
               <a:rPr lang="en-US" dirty="0" err="1"/>
-              <a:t>Spezifische</a:t>
-            </a:r>
-            <a:r>
-              <a:rPr lang="en-US" dirty="0"/>
-              <a:t> Queries </a:t>
-            </a:r>
-            <a:r>
-              <a:rPr lang="en-US" dirty="0" err="1"/>
-              <a:t>sind</a:t>
+              <a:t>Applikationsgruppen</a:t>
             </a:r>
             <a:r>
               <a:rPr lang="en-US" dirty="0"/>
@@ -3787,22 +4104,18 @@
             </a:r>
             <a:r>
               <a:rPr lang="en-US" dirty="0" err="1"/>
-              <a:t>möglich</a:t>
+              <a:t>vorbereitet</a:t>
             </a:r>
             <a:endParaRPr lang="en-US" dirty="0"/>
           </a:p>
           <a:p>
             <a:r>
+              <a:rPr lang="en-US" dirty="0"/>
+              <a:t>Import des </a:t>
+            </a:r>
+            <a:r>
               <a:rPr lang="en-US" dirty="0" err="1"/>
-              <a:t>Anbindung</a:t>
-            </a:r>
-            <a:r>
-              <a:rPr lang="en-US" dirty="0"/>
-              <a:t> an </a:t>
-            </a:r>
-            <a:r>
-              <a:rPr lang="en-US" dirty="0" err="1"/>
-              <a:t>Applikationsgruppen</a:t>
+              <a:t>Moduls</a:t>
             </a:r>
             <a:r>
               <a:rPr lang="en-US" dirty="0"/>
@@ -3810,7 +4123,248 @@
             </a:r>
             <a:r>
               <a:rPr lang="en-US" dirty="0" err="1"/>
-              <a:t>vorbereitet</a:t>
+              <a:t>einfach</a:t>
+            </a:r>
+            <a:endParaRPr lang="en-US" dirty="0"/>
+          </a:p>
+          <a:p>
+            <a:r>
+              <a:rPr lang="en-US" dirty="0" err="1"/>
+              <a:t>Struktur</a:t>
+            </a:r>
+            <a:r>
+              <a:rPr lang="en-US" dirty="0"/>
+              <a:t> </a:t>
+            </a:r>
+            <a:r>
+              <a:rPr lang="en-US" dirty="0" err="1"/>
+              <a:t>einfach</a:t>
+            </a:r>
+            <a:endParaRPr lang="en-US" dirty="0"/>
+          </a:p>
+        </p:txBody>
+      </p:sp>
+      <p:sp>
+        <p:nvSpPr>
+          <p:cNvPr id="9" name="Inhaltsplatzhalter 2">
+            <a:extLst>
+              <a:ext uri="{FF2B5EF4-FFF2-40B4-BE49-F238E27FC236}">
+                <a16:creationId xmlns:a16="http://schemas.microsoft.com/office/drawing/2014/main" id="{92DAD30E-B4E4-174E-8362-E4690DCC184B}"/>
+              </a:ext>
+            </a:extLst>
+          </p:cNvPr>
+          <p:cNvSpPr txBox="1">
+            <a:spLocks/>
+          </p:cNvSpPr>
+          <p:nvPr/>
+        </p:nvSpPr>
+        <p:spPr>
+          <a:xfrm>
+            <a:off x="6096000" y="4072628"/>
+            <a:ext cx="5257800" cy="1325563"/>
+          </a:xfrm>
+          <a:prstGeom prst="rect">
+            <a:avLst/>
+          </a:prstGeom>
+        </p:spPr>
+        <p:txBody>
+          <a:bodyPr vert="horz" lIns="91440" tIns="45720" rIns="91440" bIns="45720" rtlCol="0">
+            <a:normAutofit/>
+          </a:bodyPr>
+          <a:lstStyle>
+            <a:lvl1pPr marL="228600" indent="-228600" algn="l" defTabSz="914400" rtl="0" eaLnBrk="1" latinLnBrk="0" hangingPunct="1">
+              <a:lnSpc>
+                <a:spcPct val="90000"/>
+              </a:lnSpc>
+              <a:spcBef>
+                <a:spcPts val="1000"/>
+              </a:spcBef>
+              <a:buFont typeface="Arial" panose="020B0604020202020204" pitchFamily="34" charset="0"/>
+              <a:buChar char="•"/>
+              <a:defRPr sz="2800" kern="1200">
+                <a:solidFill>
+                  <a:schemeClr val="tx1"/>
+                </a:solidFill>
+                <a:latin typeface="+mn-lt"/>
+                <a:ea typeface="+mn-ea"/>
+                <a:cs typeface="+mn-cs"/>
+              </a:defRPr>
+            </a:lvl1pPr>
+            <a:lvl2pPr marL="685800" indent="-228600" algn="l" defTabSz="914400" rtl="0" eaLnBrk="1" latinLnBrk="0" hangingPunct="1">
+              <a:lnSpc>
+                <a:spcPct val="90000"/>
+              </a:lnSpc>
+              <a:spcBef>
+                <a:spcPts val="500"/>
+              </a:spcBef>
+              <a:buFont typeface="Arial" panose="020B0604020202020204" pitchFamily="34" charset="0"/>
+              <a:buChar char="•"/>
+              <a:defRPr sz="2400" kern="1200">
+                <a:solidFill>
+                  <a:schemeClr val="tx1"/>
+                </a:solidFill>
+                <a:latin typeface="+mn-lt"/>
+                <a:ea typeface="+mn-ea"/>
+                <a:cs typeface="+mn-cs"/>
+              </a:defRPr>
+            </a:lvl2pPr>
+            <a:lvl3pPr marL="1143000" indent="-228600" algn="l" defTabSz="914400" rtl="0" eaLnBrk="1" latinLnBrk="0" hangingPunct="1">
+              <a:lnSpc>
+                <a:spcPct val="90000"/>
+              </a:lnSpc>
+              <a:spcBef>
+                <a:spcPts val="500"/>
+              </a:spcBef>
+              <a:buFont typeface="Arial" panose="020B0604020202020204" pitchFamily="34" charset="0"/>
+              <a:buChar char="•"/>
+              <a:defRPr sz="2000" kern="1200">
+                <a:solidFill>
+                  <a:schemeClr val="tx1"/>
+                </a:solidFill>
+                <a:latin typeface="+mn-lt"/>
+                <a:ea typeface="+mn-ea"/>
+                <a:cs typeface="+mn-cs"/>
+              </a:defRPr>
+            </a:lvl3pPr>
+            <a:lvl4pPr marL="1600200" indent="-228600" algn="l" defTabSz="914400" rtl="0" eaLnBrk="1" latinLnBrk="0" hangingPunct="1">
+              <a:lnSpc>
+                <a:spcPct val="90000"/>
+              </a:lnSpc>
+              <a:spcBef>
+                <a:spcPts val="500"/>
+              </a:spcBef>
+              <a:buFont typeface="Arial" panose="020B0604020202020204" pitchFamily="34" charset="0"/>
+              <a:buChar char="•"/>
+              <a:defRPr sz="1800" kern="1200">
+                <a:solidFill>
+                  <a:schemeClr val="tx1"/>
+                </a:solidFill>
+                <a:latin typeface="+mn-lt"/>
+                <a:ea typeface="+mn-ea"/>
+                <a:cs typeface="+mn-cs"/>
+              </a:defRPr>
+            </a:lvl4pPr>
+            <a:lvl5pPr marL="2057400" indent="-228600" algn="l" defTabSz="914400" rtl="0" eaLnBrk="1" latinLnBrk="0" hangingPunct="1">
+              <a:lnSpc>
+                <a:spcPct val="90000"/>
+              </a:lnSpc>
+              <a:spcBef>
+                <a:spcPts val="500"/>
+              </a:spcBef>
+              <a:buFont typeface="Arial" panose="020B0604020202020204" pitchFamily="34" charset="0"/>
+              <a:buChar char="•"/>
+              <a:defRPr sz="1800" kern="1200">
+                <a:solidFill>
+                  <a:schemeClr val="tx1"/>
+                </a:solidFill>
+                <a:latin typeface="+mn-lt"/>
+                <a:ea typeface="+mn-ea"/>
+                <a:cs typeface="+mn-cs"/>
+              </a:defRPr>
+            </a:lvl5pPr>
+            <a:lvl6pPr marL="2514600" indent="-228600" algn="l" defTabSz="914400" rtl="0" eaLnBrk="1" latinLnBrk="0" hangingPunct="1">
+              <a:lnSpc>
+                <a:spcPct val="90000"/>
+              </a:lnSpc>
+              <a:spcBef>
+                <a:spcPts val="500"/>
+              </a:spcBef>
+              <a:buFont typeface="Arial" panose="020B0604020202020204" pitchFamily="34" charset="0"/>
+              <a:buChar char="•"/>
+              <a:defRPr sz="1800" kern="1200">
+                <a:solidFill>
+                  <a:schemeClr val="tx1"/>
+                </a:solidFill>
+                <a:latin typeface="+mn-lt"/>
+                <a:ea typeface="+mn-ea"/>
+                <a:cs typeface="+mn-cs"/>
+              </a:defRPr>
+            </a:lvl6pPr>
+            <a:lvl7pPr marL="2971800" indent="-228600" algn="l" defTabSz="914400" rtl="0" eaLnBrk="1" latinLnBrk="0" hangingPunct="1">
+              <a:lnSpc>
+                <a:spcPct val="90000"/>
+              </a:lnSpc>
+              <a:spcBef>
+                <a:spcPts val="500"/>
+              </a:spcBef>
+              <a:buFont typeface="Arial" panose="020B0604020202020204" pitchFamily="34" charset="0"/>
+              <a:buChar char="•"/>
+              <a:defRPr sz="1800" kern="1200">
+                <a:solidFill>
+                  <a:schemeClr val="tx1"/>
+                </a:solidFill>
+                <a:latin typeface="+mn-lt"/>
+                <a:ea typeface="+mn-ea"/>
+                <a:cs typeface="+mn-cs"/>
+              </a:defRPr>
+            </a:lvl7pPr>
+            <a:lvl8pPr marL="3429000" indent="-228600" algn="l" defTabSz="914400" rtl="0" eaLnBrk="1" latinLnBrk="0" hangingPunct="1">
+              <a:lnSpc>
+                <a:spcPct val="90000"/>
+              </a:lnSpc>
+              <a:spcBef>
+                <a:spcPts val="500"/>
+              </a:spcBef>
+              <a:buFont typeface="Arial" panose="020B0604020202020204" pitchFamily="34" charset="0"/>
+              <a:buChar char="•"/>
+              <a:defRPr sz="1800" kern="1200">
+                <a:solidFill>
+                  <a:schemeClr val="tx1"/>
+                </a:solidFill>
+                <a:latin typeface="+mn-lt"/>
+                <a:ea typeface="+mn-ea"/>
+                <a:cs typeface="+mn-cs"/>
+              </a:defRPr>
+            </a:lvl8pPr>
+            <a:lvl9pPr marL="3886200" indent="-228600" algn="l" defTabSz="914400" rtl="0" eaLnBrk="1" latinLnBrk="0" hangingPunct="1">
+              <a:lnSpc>
+                <a:spcPct val="90000"/>
+              </a:lnSpc>
+              <a:spcBef>
+                <a:spcPts val="500"/>
+              </a:spcBef>
+              <a:buFont typeface="Arial" panose="020B0604020202020204" pitchFamily="34" charset="0"/>
+              <a:buChar char="•"/>
+              <a:defRPr sz="1800" kern="1200">
+                <a:solidFill>
+                  <a:schemeClr val="tx1"/>
+                </a:solidFill>
+                <a:latin typeface="+mn-lt"/>
+                <a:ea typeface="+mn-ea"/>
+                <a:cs typeface="+mn-cs"/>
+              </a:defRPr>
+            </a:lvl9pPr>
+          </a:lstStyle>
+          <a:p>
+            <a:r>
+              <a:rPr lang="en-US" dirty="0" err="1"/>
+              <a:t>Kommunikation</a:t>
+            </a:r>
+            <a:r>
+              <a:rPr lang="en-US" dirty="0"/>
+              <a:t> </a:t>
+            </a:r>
+            <a:r>
+              <a:rPr lang="en-US" dirty="0" err="1"/>
+              <a:t>mit</a:t>
+            </a:r>
+            <a:r>
+              <a:rPr lang="en-US" dirty="0"/>
+              <a:t> Gruppen</a:t>
+            </a:r>
+          </a:p>
+          <a:p>
+            <a:r>
+              <a:rPr lang="en-US" dirty="0" err="1"/>
+              <a:t>Anforderungen</a:t>
+            </a:r>
+            <a:r>
+              <a:rPr lang="en-US" dirty="0"/>
+              <a:t> </a:t>
+            </a:r>
+            <a:r>
+              <a:rPr lang="en-US" dirty="0" err="1"/>
+              <a:t>unklar</a:t>
             </a:r>
             <a:endParaRPr lang="en-US" dirty="0"/>
           </a:p>
